--- a/반야불교대학 20220726.pptx
+++ b/반야불교대학 20220726.pptx
@@ -3027,7 +3027,7 @@
         <p:spPr>
           <a:xfrm>
             <a:off x="0" y="8530401"/>
-            <a:ext cx="6858000" cy="1370908"/>
+            <a:ext cx="4905164" cy="1370908"/>
           </a:xfrm>
           <a:prstGeom prst="rect">
             <a:avLst/>
@@ -3086,6 +3086,13 @@
         <p:txBody>
           <a:bodyPr wrap="square" lIns="91440" tIns="45720" rIns="91440" bIns="45720">
             <a:spAutoFit/>
+            <a:scene3d>
+              <a:camera prst="orthographicFront"/>
+              <a:lightRig rig="threePt" dir="t"/>
+            </a:scene3d>
+            <a:sp3d contourW="19050">
+              <a:bevelT w="6350" h="6350" prst="cross"/>
+            </a:sp3d>
           </a:bodyPr>
           <a:lstStyle/>
           <a:p>
@@ -3144,8 +3151,8 @@
         </p:nvSpPr>
         <p:spPr>
           <a:xfrm>
-            <a:off x="5191452" y="771794"/>
-            <a:ext cx="1261884" cy="954107"/>
+            <a:off x="5268396" y="771794"/>
+            <a:ext cx="1107996" cy="830997"/>
           </a:xfrm>
           <a:prstGeom prst="rect">
             <a:avLst/>
@@ -3155,18 +3162,25 @@
         <p:txBody>
           <a:bodyPr wrap="none" lIns="91440" tIns="45720" rIns="91440" bIns="45720">
             <a:spAutoFit/>
+            <a:scene3d>
+              <a:camera prst="orthographicFront"/>
+              <a:lightRig rig="threePt" dir="t"/>
+            </a:scene3d>
+            <a:sp3d contourW="19050">
+              <a:bevelT w="6350" h="6350" prst="cross"/>
+              <a:contourClr>
+                <a:schemeClr val="tx1"/>
+              </a:contourClr>
+            </a:sp3d>
           </a:bodyPr>
           <a:lstStyle/>
           <a:p>
             <a:pPr algn="dist"/>
             <a:r>
-              <a:rPr lang="ko-KR" altLang="en-US" sz="2800" b="0" cap="none" spc="0" dirty="0">
+              <a:rPr lang="ko-KR" altLang="en-US" sz="2400" b="0" cap="none" spc="0" dirty="0">
                 <a:ln w="0"/>
                 <a:solidFill>
-                  <a:schemeClr val="accent1">
-                    <a:lumMod val="40000"/>
-                    <a:lumOff val="60000"/>
-                  </a:schemeClr>
+                  <a:schemeClr val="bg1"/>
                 </a:solidFill>
                 <a:effectLst>
                   <a:outerShdw blurRad="38100" dist="19050" dir="2700000" algn="tl" rotWithShape="0">
@@ -3180,13 +3194,10 @@
               </a:rPr>
               <a:t>신입생</a:t>
             </a:r>
-            <a:endParaRPr lang="en-US" altLang="ko-KR" sz="2800" b="0" cap="none" spc="0" dirty="0">
+            <a:endParaRPr lang="en-US" altLang="ko-KR" sz="2400" b="0" cap="none" spc="0" dirty="0">
               <a:ln w="0"/>
               <a:solidFill>
-                <a:schemeClr val="accent1">
-                  <a:lumMod val="40000"/>
-                  <a:lumOff val="60000"/>
-                </a:schemeClr>
+                <a:schemeClr val="bg1"/>
               </a:solidFill>
               <a:effectLst>
                 <a:outerShdw blurRad="38100" dist="19050" dir="2700000" algn="tl" rotWithShape="0">
@@ -3202,13 +3213,10 @@
           <a:p>
             <a:pPr algn="just"/>
             <a:r>
-              <a:rPr lang="ko-KR" altLang="en-US" sz="2800" dirty="0">
+              <a:rPr lang="ko-KR" altLang="en-US" sz="2400" dirty="0">
                 <a:ln w="0"/>
                 <a:solidFill>
-                  <a:schemeClr val="accent1">
-                    <a:lumMod val="40000"/>
-                    <a:lumOff val="60000"/>
-                  </a:schemeClr>
+                  <a:schemeClr val="bg1"/>
                 </a:solidFill>
                 <a:effectLst>
                   <a:outerShdw blurRad="38100" dist="19050" dir="2700000" algn="tl" rotWithShape="0">
@@ -3222,13 +3230,10 @@
               </a:rPr>
               <a:t>모   집</a:t>
             </a:r>
-            <a:endParaRPr lang="en-US" altLang="ko-KR" sz="2800" b="0" cap="none" spc="0" dirty="0">
+            <a:endParaRPr lang="en-US" altLang="ko-KR" sz="2400" b="0" cap="none" spc="0" dirty="0">
               <a:ln w="0"/>
               <a:solidFill>
-                <a:schemeClr val="accent1">
-                  <a:lumMod val="40000"/>
-                  <a:lumOff val="60000"/>
-                </a:schemeClr>
+                <a:schemeClr val="bg1"/>
               </a:solidFill>
               <a:effectLst>
                 <a:outerShdw blurRad="38100" dist="19050" dir="2700000" algn="tl" rotWithShape="0">
@@ -4428,7 +4433,7 @@
               <a:t>불교사</a:t>
             </a:r>
             <a:r>
-              <a:rPr lang="en-US" altLang="ko-KR" sz="1000" dirty="0" smtClean="0">
+              <a:rPr lang="en-US" altLang="ko-KR" sz="1000" dirty="0">
                 <a:solidFill>
                   <a:schemeClr val="tx1"/>
                 </a:solidFill>
@@ -4438,7 +4443,7 @@
               <a:t>, </a:t>
             </a:r>
             <a:r>
-              <a:rPr lang="ko-KR" altLang="en-US" sz="1000" dirty="0" smtClean="0">
+              <a:rPr lang="ko-KR" altLang="en-US" sz="1000" dirty="0">
                 <a:solidFill>
                   <a:schemeClr val="tx1"/>
                 </a:solidFill>
@@ -4448,7 +4453,7 @@
               <a:t>불교 문화</a:t>
             </a:r>
             <a:r>
-              <a:rPr lang="en-US" altLang="ko-KR" sz="1000" dirty="0" smtClean="0">
+              <a:rPr lang="en-US" altLang="ko-KR" sz="1000" dirty="0">
                 <a:solidFill>
                   <a:schemeClr val="tx1"/>
                 </a:solidFill>
@@ -4458,7 +4463,7 @@
               <a:t>, </a:t>
             </a:r>
             <a:r>
-              <a:rPr lang="ko-KR" altLang="en-US" sz="1000" dirty="0" smtClean="0">
+              <a:rPr lang="ko-KR" altLang="en-US" sz="1000" dirty="0">
                 <a:solidFill>
                   <a:schemeClr val="tx1"/>
                 </a:solidFill>
@@ -4713,7 +4718,7 @@
               <a:t>, </a:t>
             </a:r>
             <a:r>
-              <a:rPr lang="ko-KR" altLang="en-US" sz="1000" dirty="0" err="1" smtClean="0">
+              <a:rPr lang="ko-KR" altLang="en-US" sz="1000" dirty="0" err="1">
                 <a:solidFill>
                   <a:schemeClr val="tx1"/>
                 </a:solidFill>
@@ -4723,7 +4728,7 @@
               <a:t>금강경</a:t>
             </a:r>
             <a:r>
-              <a:rPr lang="ko-KR" altLang="en-US" sz="1000" dirty="0" smtClean="0">
+              <a:rPr lang="ko-KR" altLang="en-US" sz="1000" dirty="0">
                 <a:solidFill>
                   <a:schemeClr val="tx1"/>
                 </a:solidFill>
@@ -4733,7 +4738,7 @@
               <a:t> </a:t>
             </a:r>
             <a:r>
-              <a:rPr lang="ko-KR" altLang="en-US" sz="1000" dirty="0" err="1" smtClean="0">
+              <a:rPr lang="ko-KR" altLang="en-US" sz="1000" dirty="0" err="1">
                 <a:solidFill>
                   <a:schemeClr val="tx1"/>
                 </a:solidFill>
@@ -4743,7 +4748,7 @@
               <a:t>오가해</a:t>
             </a:r>
             <a:r>
-              <a:rPr lang="en-US" altLang="ko-KR" sz="1000" dirty="0" smtClean="0">
+              <a:rPr lang="en-US" altLang="ko-KR" sz="1000" dirty="0">
                 <a:solidFill>
                   <a:schemeClr val="tx1"/>
                 </a:solidFill>
@@ -4753,7 +4758,7 @@
               <a:t>, </a:t>
             </a:r>
             <a:r>
-              <a:rPr lang="ko-KR" altLang="en-US" sz="1000" dirty="0" smtClean="0">
+              <a:rPr lang="ko-KR" altLang="en-US" sz="1000" dirty="0">
                 <a:solidFill>
                   <a:schemeClr val="tx1"/>
                 </a:solidFill>
@@ -5206,16 +5211,6 @@
               </a:rPr>
               <a:t>특별프로그램</a:t>
             </a:r>
-            <a:r>
-              <a:rPr lang="en-US" altLang="ko-KR" sz="1200" dirty="0">
-                <a:solidFill>
-                  <a:schemeClr val="tx1"/>
-                </a:solidFill>
-                <a:latin typeface="석보체 가는(OTF)" panose="02020603020101020101" pitchFamily="18" charset="-127"/>
-                <a:ea typeface="석보체 가는(OTF)" panose="02020603020101020101" pitchFamily="18" charset="-127"/>
-              </a:rPr>
-              <a:t/>
-            </a:r>
             <a:br>
               <a:rPr lang="en-US" altLang="ko-KR" sz="1200" dirty="0">
                 <a:solidFill>
@@ -5236,7 +5231,7 @@
               <a:t> </a:t>
             </a:r>
             <a:r>
-              <a:rPr lang="ko-KR" altLang="en-US" sz="1000" dirty="0" err="1" smtClean="0">
+              <a:rPr lang="ko-KR" altLang="en-US" sz="1000" dirty="0" err="1">
                 <a:solidFill>
                   <a:schemeClr val="tx1"/>
                 </a:solidFill>
@@ -5246,7 +5241,7 @@
               <a:t>사찰순례</a:t>
             </a:r>
             <a:r>
-              <a:rPr lang="en-US" altLang="ko-KR" sz="1000" dirty="0" smtClean="0">
+              <a:rPr lang="en-US" altLang="ko-KR" sz="1000" dirty="0">
                 <a:solidFill>
                   <a:schemeClr val="tx1"/>
                 </a:solidFill>
@@ -5795,8 +5790,8 @@
         </p:nvSpPr>
         <p:spPr>
           <a:xfrm>
-            <a:off x="1047366" y="8591487"/>
-            <a:ext cx="3389746" cy="249945"/>
+            <a:off x="1047365" y="8591487"/>
+            <a:ext cx="3461753" cy="249945"/>
           </a:xfrm>
           <a:prstGeom prst="rect">
             <a:avLst/>
@@ -6148,7 +6143,7 @@
               <a:t>만원 수업료 </a:t>
             </a:r>
             <a:r>
-              <a:rPr lang="en-US" altLang="ko-KR" sz="1200" dirty="0" smtClean="0">
+              <a:rPr lang="en-US" altLang="ko-KR" sz="1200" dirty="0">
                 <a:solidFill>
                   <a:schemeClr val="tx1"/>
                 </a:solidFill>
@@ -6158,7 +6153,7 @@
               <a:t>15</a:t>
             </a:r>
             <a:r>
-              <a:rPr lang="ko-KR" altLang="en-US" sz="1200" dirty="0" smtClean="0">
+              <a:rPr lang="ko-KR" altLang="en-US" sz="1200" dirty="0">
                 <a:solidFill>
                   <a:schemeClr val="tx1"/>
                 </a:solidFill>
@@ -6225,7 +6220,7 @@
               <a:t>각 과정 수업료 </a:t>
             </a:r>
             <a:r>
-              <a:rPr lang="en-US" altLang="ko-KR" sz="1200" dirty="0" smtClean="0">
+              <a:rPr lang="en-US" altLang="ko-KR" sz="1200" dirty="0">
                 <a:solidFill>
                   <a:schemeClr val="tx1"/>
                 </a:solidFill>
@@ -6235,7 +6230,7 @@
               <a:t>4</a:t>
             </a:r>
             <a:r>
-              <a:rPr lang="ko-KR" altLang="en-US" sz="1200" dirty="0" smtClean="0">
+              <a:rPr lang="ko-KR" altLang="en-US" sz="1200" dirty="0">
                 <a:solidFill>
                   <a:schemeClr val="tx1"/>
                 </a:solidFill>
@@ -6295,6 +6290,13 @@
         <p:txBody>
           <a:bodyPr wrap="square" lIns="91440" tIns="45720" rIns="91440" bIns="45720">
             <a:spAutoFit/>
+            <a:scene3d>
+              <a:camera prst="orthographicFront"/>
+              <a:lightRig rig="threePt" dir="t"/>
+            </a:scene3d>
+            <a:sp3d contourW="12700">
+              <a:bevelT w="6350" h="6350" prst="cross"/>
+            </a:sp3d>
           </a:bodyPr>
           <a:lstStyle/>
           <a:p>
@@ -6819,7 +6821,7 @@
               <a:t>9</a:t>
             </a:r>
             <a:r>
-              <a:rPr lang="ko-KR" altLang="en-US" dirty="0" smtClean="0">
+              <a:rPr lang="ko-KR" altLang="en-US" dirty="0">
                 <a:effectLst>
                   <a:glow rad="63500">
                     <a:schemeClr val="accent1">
@@ -6834,7 +6836,7 @@
               <a:t>월 </a:t>
             </a:r>
             <a:r>
-              <a:rPr lang="en-US" altLang="ko-KR" dirty="0" smtClean="0">
+              <a:rPr lang="en-US" altLang="ko-KR" dirty="0">
                 <a:effectLst>
                   <a:glow rad="63500">
                     <a:schemeClr val="accent1">
@@ -6849,7 +6851,7 @@
               <a:t>4</a:t>
             </a:r>
             <a:r>
-              <a:rPr lang="ko-KR" altLang="en-US" dirty="0" smtClean="0">
+              <a:rPr lang="ko-KR" altLang="en-US" dirty="0">
                 <a:effectLst>
                   <a:glow rad="63500">
                     <a:schemeClr val="accent1">
